--- a/Lectures/Lecture 25/Lecture 25.pptx
+++ b/Lectures/Lecture 25/Lecture 25.pptx
@@ -225,7 +225,7 @@
           <a:p>
             <a:fld id="{467FE51A-BC06-4E6F-B1DA-B477364E598F}" type="datetimeFigureOut">
               <a:rPr lang="en-US" smtClean="0"/>
-              <a:t>4/2/2020</a:t>
+              <a:t>4/3/2020</a:t>
             </a:fld>
             <a:endParaRPr lang="en-US"/>
           </a:p>
@@ -1899,7 +1899,7 @@
           <a:p>
             <a:fld id="{11C4ABE2-2F1A-4C31-A43A-C3E7CE49CE95}" type="datetimeFigureOut">
               <a:rPr lang="en-US" smtClean="0"/>
-              <a:t>4/2/2020</a:t>
+              <a:t>4/3/2020</a:t>
             </a:fld>
             <a:endParaRPr lang="en-US"/>
           </a:p>
@@ -2097,7 +2097,7 @@
           <a:p>
             <a:fld id="{11C4ABE2-2F1A-4C31-A43A-C3E7CE49CE95}" type="datetimeFigureOut">
               <a:rPr lang="en-US" smtClean="0"/>
-              <a:t>4/2/2020</a:t>
+              <a:t>4/3/2020</a:t>
             </a:fld>
             <a:endParaRPr lang="en-US"/>
           </a:p>
@@ -2305,7 +2305,7 @@
           <a:p>
             <a:fld id="{11C4ABE2-2F1A-4C31-A43A-C3E7CE49CE95}" type="datetimeFigureOut">
               <a:rPr lang="en-US" smtClean="0"/>
-              <a:t>4/2/2020</a:t>
+              <a:t>4/3/2020</a:t>
             </a:fld>
             <a:endParaRPr lang="en-US"/>
           </a:p>
@@ -2503,7 +2503,7 @@
           <a:p>
             <a:fld id="{11C4ABE2-2F1A-4C31-A43A-C3E7CE49CE95}" type="datetimeFigureOut">
               <a:rPr lang="en-US" smtClean="0"/>
-              <a:t>4/2/2020</a:t>
+              <a:t>4/3/2020</a:t>
             </a:fld>
             <a:endParaRPr lang="en-US"/>
           </a:p>
@@ -2778,7 +2778,7 @@
           <a:p>
             <a:fld id="{11C4ABE2-2F1A-4C31-A43A-C3E7CE49CE95}" type="datetimeFigureOut">
               <a:rPr lang="en-US" smtClean="0"/>
-              <a:t>4/2/2020</a:t>
+              <a:t>4/3/2020</a:t>
             </a:fld>
             <a:endParaRPr lang="en-US"/>
           </a:p>
@@ -3043,7 +3043,7 @@
           <a:p>
             <a:fld id="{11C4ABE2-2F1A-4C31-A43A-C3E7CE49CE95}" type="datetimeFigureOut">
               <a:rPr lang="en-US" smtClean="0"/>
-              <a:t>4/2/2020</a:t>
+              <a:t>4/3/2020</a:t>
             </a:fld>
             <a:endParaRPr lang="en-US"/>
           </a:p>
@@ -3455,7 +3455,7 @@
           <a:p>
             <a:fld id="{11C4ABE2-2F1A-4C31-A43A-C3E7CE49CE95}" type="datetimeFigureOut">
               <a:rPr lang="en-US" smtClean="0"/>
-              <a:t>4/2/2020</a:t>
+              <a:t>4/3/2020</a:t>
             </a:fld>
             <a:endParaRPr lang="en-US"/>
           </a:p>
@@ -3596,7 +3596,7 @@
           <a:p>
             <a:fld id="{11C4ABE2-2F1A-4C31-A43A-C3E7CE49CE95}" type="datetimeFigureOut">
               <a:rPr lang="en-US" smtClean="0"/>
-              <a:t>4/2/2020</a:t>
+              <a:t>4/3/2020</a:t>
             </a:fld>
             <a:endParaRPr lang="en-US"/>
           </a:p>
@@ -3709,7 +3709,7 @@
           <a:p>
             <a:fld id="{11C4ABE2-2F1A-4C31-A43A-C3E7CE49CE95}" type="datetimeFigureOut">
               <a:rPr lang="en-US" smtClean="0"/>
-              <a:t>4/2/2020</a:t>
+              <a:t>4/3/2020</a:t>
             </a:fld>
             <a:endParaRPr lang="en-US"/>
           </a:p>
@@ -4020,7 +4020,7 @@
           <a:p>
             <a:fld id="{11C4ABE2-2F1A-4C31-A43A-C3E7CE49CE95}" type="datetimeFigureOut">
               <a:rPr lang="en-US" smtClean="0"/>
-              <a:t>4/2/2020</a:t>
+              <a:t>4/3/2020</a:t>
             </a:fld>
             <a:endParaRPr lang="en-US"/>
           </a:p>
@@ -4308,7 +4308,7 @@
           <a:p>
             <a:fld id="{11C4ABE2-2F1A-4C31-A43A-C3E7CE49CE95}" type="datetimeFigureOut">
               <a:rPr lang="en-US" smtClean="0"/>
-              <a:t>4/2/2020</a:t>
+              <a:t>4/3/2020</a:t>
             </a:fld>
             <a:endParaRPr lang="en-US"/>
           </a:p>
@@ -4549,7 +4549,7 @@
           <a:p>
             <a:fld id="{11C4ABE2-2F1A-4C31-A43A-C3E7CE49CE95}" type="datetimeFigureOut">
               <a:rPr lang="en-US" smtClean="0"/>
-              <a:t>4/2/2020</a:t>
+              <a:t>4/3/2020</a:t>
             </a:fld>
             <a:endParaRPr lang="en-US"/>
           </a:p>
@@ -18248,7 +18248,7 @@
               <a:buChar char="•"/>
             </a:pPr>
             <a:r>
-              <a:rPr lang="en-US" sz="2000" dirty="0">
+              <a:rPr lang="en-US" sz="2000">
                 <a:solidFill>
                   <a:srgbClr val="404040"/>
                 </a:solidFill>
@@ -18257,13 +18257,22 @@
               <a:t>Download </a:t>
             </a:r>
             <a:r>
+              <a:rPr lang="en-US" sz="2000">
+                <a:solidFill>
+                  <a:srgbClr val="A71B86"/>
+                </a:solidFill>
+                <a:latin typeface="Corbel" panose="020B0503020204020204" pitchFamily="34" charset="0"/>
+              </a:rPr>
+              <a:t>SumDice-2.</a:t>
+            </a:r>
+            <a:r>
               <a:rPr lang="en-US" sz="2000" dirty="0">
                 <a:solidFill>
                   <a:srgbClr val="A71B86"/>
                 </a:solidFill>
                 <a:latin typeface="Corbel" panose="020B0503020204020204" pitchFamily="34" charset="0"/>
               </a:rPr>
-              <a:t>SumDice.xlsx </a:t>
+              <a:t>xlsx </a:t>
             </a:r>
             <a:r>
               <a:rPr lang="en-US" sz="2000" dirty="0">
@@ -20687,8 +20696,8 @@
           </a:effectLst>
         </p:spPr>
       </p:pic>
-      <mc:AlternateContent xmlns:mc="http://schemas.openxmlformats.org/markup-compatibility/2006">
-        <mc:Choice xmlns:a14="http://schemas.microsoft.com/office/drawing/2010/main" Requires="a14">
+      <mc:AlternateContent xmlns:mc="http://schemas.openxmlformats.org/markup-compatibility/2006" xmlns:a14="http://schemas.microsoft.com/office/drawing/2010/main">
+        <mc:Choice Requires="a14">
           <p:sp>
             <p:nvSpPr>
               <p:cNvPr id="6" name="TextBox 5">
@@ -20717,6 +20726,7 @@
               </a:bodyPr>
               <a:lstStyle/>
               <a:p>
+                <a:pPr/>
                 <a14:m>
                   <m:oMathPara xmlns:m="http://schemas.openxmlformats.org/officeDocument/2006/math">
                     <m:oMathParaPr>
@@ -21016,7 +21026,7 @@
             </p:txBody>
           </p:sp>
         </mc:Choice>
-        <mc:Fallback>
+        <mc:Fallback xmlns="">
           <p:sp>
             <p:nvSpPr>
               <p:cNvPr id="6" name="TextBox 5">
